--- a/courses/apcsp/luhn.pptx
+++ b/courses/apcsp/luhn.pptx
@@ -127,6 +127,7 @@
 <p1510:revInfo xmlns:a="http://schemas.openxmlformats.org/drawingml/2006/main" xmlns:r="http://schemas.openxmlformats.org/officeDocument/2006/relationships" xmlns:p1510="http://schemas.microsoft.com/office/powerpoint/2015/10/main">
   <p1510:revLst>
     <p1510:client id="{23AB6C8C-0C48-8749-A15D-EB048A23D91B}" v="2104" dt="2019-11-07T13:53:20.866"/>
+    <p1510:client id="{604474E7-41E6-FF40-AFC7-E5538609F023}" v="2" dt="2019-11-07T16:47:21.467"/>
   </p1510:revLst>
 </p1510:revInfo>
 </file>
@@ -305,6 +306,30 @@
             <pc:docMk/>
             <pc:sldMk cId="2847176505" sldId="338"/>
             <ac:spMk id="4" creationId="{45F39D34-783B-3841-8223-DB0C309CADD9}"/>
+          </ac:spMkLst>
+        </pc:spChg>
+      </pc:sldChg>
+    </pc:docChg>
+  </pc:docChgLst>
+  <pc:docChgLst>
+    <pc:chgData name="Long B Nguyen" userId="f59fb8f3-a021-417a-8bc1-65c8d471c621" providerId="ADAL" clId="{604474E7-41E6-FF40-AFC7-E5538609F023}"/>
+    <pc:docChg chg="modSld">
+      <pc:chgData name="Long B Nguyen" userId="f59fb8f3-a021-417a-8bc1-65c8d471c621" providerId="ADAL" clId="{604474E7-41E6-FF40-AFC7-E5538609F023}" dt="2019-11-07T16:47:28.392" v="54" actId="20577"/>
+      <pc:docMkLst>
+        <pc:docMk/>
+      </pc:docMkLst>
+      <pc:sldChg chg="modSp">
+        <pc:chgData name="Long B Nguyen" userId="f59fb8f3-a021-417a-8bc1-65c8d471c621" providerId="ADAL" clId="{604474E7-41E6-FF40-AFC7-E5538609F023}" dt="2019-11-07T16:47:28.392" v="54" actId="20577"/>
+        <pc:sldMkLst>
+          <pc:docMk/>
+          <pc:sldMk cId="3096563398" sldId="341"/>
+        </pc:sldMkLst>
+        <pc:spChg chg="mod">
+          <ac:chgData name="Long B Nguyen" userId="f59fb8f3-a021-417a-8bc1-65c8d471c621" providerId="ADAL" clId="{604474E7-41E6-FF40-AFC7-E5538609F023}" dt="2019-11-07T16:47:28.392" v="54" actId="20577"/>
+          <ac:spMkLst>
+            <pc:docMk/>
+            <pc:sldMk cId="3096563398" sldId="341"/>
+            <ac:spMk id="9" creationId="{E3B2E017-30B2-884B-A113-B419A2ED51AD}"/>
           </ac:spMkLst>
         </pc:spChg>
       </pc:sldChg>
@@ -3727,6 +3752,37 @@
               <a:rPr lang="en-US" dirty="0"/>
               <a:t>("30000000000004") should return True</a:t>
             </a:r>
+          </a:p>
+          <a:p>
+            <a:pPr marL="0" indent="0">
+              <a:buNone/>
+            </a:pPr>
+            <a:r>
+              <a:rPr lang="en-US" dirty="0" err="1"/>
+              <a:t>is_credit</a:t>
+            </a:r>
+            <a:r>
+              <a:rPr lang="en-US" dirty="0"/>
+              <a:t>("6911600873502604") should return False</a:t>
+            </a:r>
+          </a:p>
+          <a:p>
+            <a:pPr marL="0" indent="0">
+              <a:buNone/>
+            </a:pPr>
+            <a:r>
+              <a:rPr lang="en-US" dirty="0" err="1"/>
+              <a:t>is_credit</a:t>
+            </a:r>
+            <a:r>
+              <a:rPr lang="en-US" dirty="0"/>
+              <a:t>("1234567890") should </a:t>
+            </a:r>
+            <a:r>
+              <a:rPr lang="en-US"/>
+              <a:t>return False</a:t>
+            </a:r>
+            <a:endParaRPr lang="en-US" dirty="0"/>
           </a:p>
         </p:txBody>
       </p:sp>

--- a/courses/apcsp/luhn.pptx
+++ b/courses/apcsp/luhn.pptx
@@ -126,7 +126,6 @@
 <file path=ppt/revisionInfo.xml><?xml version="1.0" encoding="utf-8"?>
 <p1510:revInfo xmlns:a="http://schemas.openxmlformats.org/drawingml/2006/main" xmlns:r="http://schemas.openxmlformats.org/officeDocument/2006/relationships" xmlns:p1510="http://schemas.microsoft.com/office/powerpoint/2015/10/main">
   <p1510:revLst>
-    <p1510:client id="{23AB6C8C-0C48-8749-A15D-EB048A23D91B}" v="2104" dt="2019-11-07T13:53:20.866"/>
     <p1510:client id="{604474E7-41E6-FF40-AFC7-E5538609F023}" v="2" dt="2019-11-07T16:47:21.467"/>
   </p1510:revLst>
 </p1510:revInfo>
@@ -314,10 +313,25 @@
   <pc:docChgLst>
     <pc:chgData name="Long B Nguyen" userId="f59fb8f3-a021-417a-8bc1-65c8d471c621" providerId="ADAL" clId="{604474E7-41E6-FF40-AFC7-E5538609F023}"/>
     <pc:docChg chg="modSld">
-      <pc:chgData name="Long B Nguyen" userId="f59fb8f3-a021-417a-8bc1-65c8d471c621" providerId="ADAL" clId="{604474E7-41E6-FF40-AFC7-E5538609F023}" dt="2019-11-07T16:47:28.392" v="54" actId="20577"/>
+      <pc:chgData name="Long B Nguyen" userId="f59fb8f3-a021-417a-8bc1-65c8d471c621" providerId="ADAL" clId="{604474E7-41E6-FF40-AFC7-E5538609F023}" dt="2019-11-12T13:58:54.966" v="157" actId="20577"/>
       <pc:docMkLst>
         <pc:docMk/>
       </pc:docMkLst>
+      <pc:sldChg chg="modSp">
+        <pc:chgData name="Long B Nguyen" userId="f59fb8f3-a021-417a-8bc1-65c8d471c621" providerId="ADAL" clId="{604474E7-41E6-FF40-AFC7-E5538609F023}" dt="2019-11-12T13:58:54.966" v="157" actId="20577"/>
+        <pc:sldMkLst>
+          <pc:docMk/>
+          <pc:sldMk cId="4139025775" sldId="340"/>
+        </pc:sldMkLst>
+        <pc:spChg chg="mod">
+          <ac:chgData name="Long B Nguyen" userId="f59fb8f3-a021-417a-8bc1-65c8d471c621" providerId="ADAL" clId="{604474E7-41E6-FF40-AFC7-E5538609F023}" dt="2019-11-12T13:58:54.966" v="157" actId="20577"/>
+          <ac:spMkLst>
+            <pc:docMk/>
+            <pc:sldMk cId="4139025775" sldId="340"/>
+            <ac:spMk id="9" creationId="{E3B2E017-30B2-884B-A113-B419A2ED51AD}"/>
+          </ac:spMkLst>
+        </pc:spChg>
+      </pc:sldChg>
       <pc:sldChg chg="modSp">
         <pc:chgData name="Long B Nguyen" userId="f59fb8f3-a021-417a-8bc1-65c8d471c621" providerId="ADAL" clId="{604474E7-41E6-FF40-AFC7-E5538609F023}" dt="2019-11-07T16:47:28.392" v="54" actId="20577"/>
         <pc:sldMkLst>
@@ -329,6 +343,21 @@
           <ac:spMkLst>
             <pc:docMk/>
             <pc:sldMk cId="3096563398" sldId="341"/>
+            <ac:spMk id="9" creationId="{E3B2E017-30B2-884B-A113-B419A2ED51AD}"/>
+          </ac:spMkLst>
+        </pc:spChg>
+      </pc:sldChg>
+      <pc:sldChg chg="modSp">
+        <pc:chgData name="Long B Nguyen" userId="f59fb8f3-a021-417a-8bc1-65c8d471c621" providerId="ADAL" clId="{604474E7-41E6-FF40-AFC7-E5538609F023}" dt="2019-11-12T13:58:32.200" v="151" actId="20577"/>
+        <pc:sldMkLst>
+          <pc:docMk/>
+          <pc:sldMk cId="1811047284" sldId="342"/>
+        </pc:sldMkLst>
+        <pc:spChg chg="mod">
+          <ac:chgData name="Long B Nguyen" userId="f59fb8f3-a021-417a-8bc1-65c8d471c621" providerId="ADAL" clId="{604474E7-41E6-FF40-AFC7-E5538609F023}" dt="2019-11-12T13:58:32.200" v="151" actId="20577"/>
+          <ac:spMkLst>
+            <pc:docMk/>
+            <pc:sldMk cId="1811047284" sldId="342"/>
             <ac:spMk id="9" creationId="{E3B2E017-30B2-884B-A113-B419A2ED51AD}"/>
           </ac:spMkLst>
         </pc:spChg>
@@ -585,7 +614,7 @@
           <a:p>
             <a:fld id="{4AAD347D-5ACD-4C99-B74B-A9C85AD731AF}" type="datetimeFigureOut">
               <a:rPr lang="en-US" smtClean="0"/>
-              <a:t>11/7/19</a:t>
+              <a:t>11/12/19</a:t>
             </a:fld>
             <a:endParaRPr lang="en-US" dirty="0"/>
           </a:p>
@@ -755,7 +784,7 @@
           <a:p>
             <a:fld id="{4509A250-FF31-4206-8172-F9D3106AACB1}" type="datetimeFigureOut">
               <a:rPr lang="en-US" smtClean="0"/>
-              <a:t>11/7/19</a:t>
+              <a:t>11/12/19</a:t>
             </a:fld>
             <a:endParaRPr lang="en-US" dirty="0"/>
           </a:p>
@@ -935,7 +964,7 @@
           <a:p>
             <a:fld id="{4509A250-FF31-4206-8172-F9D3106AACB1}" type="datetimeFigureOut">
               <a:rPr lang="en-US" smtClean="0"/>
-              <a:t>11/7/19</a:t>
+              <a:t>11/12/19</a:t>
             </a:fld>
             <a:endParaRPr lang="en-US" dirty="0"/>
           </a:p>
@@ -1105,7 +1134,7 @@
           <a:p>
             <a:fld id="{4509A250-FF31-4206-8172-F9D3106AACB1}" type="datetimeFigureOut">
               <a:rPr lang="en-US" smtClean="0"/>
-              <a:t>11/7/19</a:t>
+              <a:t>11/12/19</a:t>
             </a:fld>
             <a:endParaRPr lang="en-US" dirty="0"/>
           </a:p>
@@ -1351,7 +1380,7 @@
           <a:p>
             <a:fld id="{9796027F-7875-4030-9381-8BD8C4F21935}" type="datetimeFigureOut">
               <a:rPr lang="en-US" smtClean="0"/>
-              <a:t>11/7/19</a:t>
+              <a:t>11/12/19</a:t>
             </a:fld>
             <a:endParaRPr lang="en-US" dirty="0"/>
           </a:p>
@@ -1583,7 +1612,7 @@
           <a:p>
             <a:fld id="{9796027F-7875-4030-9381-8BD8C4F21935}" type="datetimeFigureOut">
               <a:rPr lang="en-US" smtClean="0"/>
-              <a:t>11/7/19</a:t>
+              <a:t>11/12/19</a:t>
             </a:fld>
             <a:endParaRPr lang="en-US" dirty="0"/>
           </a:p>
@@ -1950,7 +1979,7 @@
           <a:p>
             <a:fld id="{9796027F-7875-4030-9381-8BD8C4F21935}" type="datetimeFigureOut">
               <a:rPr lang="en-US" smtClean="0"/>
-              <a:t>11/7/19</a:t>
+              <a:t>11/12/19</a:t>
             </a:fld>
             <a:endParaRPr lang="en-US" dirty="0"/>
           </a:p>
@@ -2068,7 +2097,7 @@
           <a:p>
             <a:fld id="{4509A250-FF31-4206-8172-F9D3106AACB1}" type="datetimeFigureOut">
               <a:rPr lang="en-US" smtClean="0"/>
-              <a:t>11/7/19</a:t>
+              <a:t>11/12/19</a:t>
             </a:fld>
             <a:endParaRPr lang="en-US" dirty="0"/>
           </a:p>
@@ -2163,7 +2192,7 @@
           <a:p>
             <a:fld id="{4509A250-FF31-4206-8172-F9D3106AACB1}" type="datetimeFigureOut">
               <a:rPr lang="en-US" smtClean="0"/>
-              <a:t>11/7/19</a:t>
+              <a:t>11/12/19</a:t>
             </a:fld>
             <a:endParaRPr lang="en-US" dirty="0"/>
           </a:p>
@@ -2440,7 +2469,7 @@
           <a:p>
             <a:fld id="{4509A250-FF31-4206-8172-F9D3106AACB1}" type="datetimeFigureOut">
               <a:rPr lang="en-US" smtClean="0"/>
-              <a:t>11/7/19</a:t>
+              <a:t>11/12/19</a:t>
             </a:fld>
             <a:endParaRPr lang="en-US" dirty="0"/>
           </a:p>
@@ -2697,7 +2726,7 @@
           <a:p>
             <a:fld id="{4509A250-FF31-4206-8172-F9D3106AACB1}" type="datetimeFigureOut">
               <a:rPr lang="en-US" smtClean="0"/>
-              <a:t>11/7/19</a:t>
+              <a:t>11/12/19</a:t>
             </a:fld>
             <a:endParaRPr lang="en-US" dirty="0"/>
           </a:p>
@@ -2910,7 +2939,7 @@
           <a:p>
             <a:fld id="{4AAD347D-5ACD-4C99-B74B-A9C85AD731AF}" type="datetimeFigureOut">
               <a:rPr lang="en-US" smtClean="0"/>
-              <a:t>11/7/19</a:t>
+              <a:t>11/12/19</a:t>
             </a:fld>
             <a:endParaRPr lang="en-US" dirty="0"/>
           </a:p>
@@ -3950,12 +3979,16 @@
               <a:t>, the main function should check that the credit number entered is even a string of numbers. Use the string </a:t>
             </a:r>
             <a:r>
-              <a:rPr lang="en-US" dirty="0" err="1"/>
+              <a:rPr lang="en-US" b="1" dirty="0" err="1"/>
               <a:t>isnumeric</a:t>
             </a:r>
             <a:r>
+              <a:rPr lang="en-US" b="1" dirty="0"/>
+              <a:t>() </a:t>
+            </a:r>
+            <a:r>
               <a:rPr lang="en-US" dirty="0"/>
-              <a:t>() method. For example </a:t>
+              <a:t>method. For example </a:t>
             </a:r>
             <a:r>
               <a:rPr lang="en-US" dirty="0" err="1"/>
@@ -3963,7 +3996,7 @@
             </a:r>
             <a:r>
               <a:rPr lang="en-US" dirty="0"/>
-              <a:t>() returns True if all of the character is s are numbers. </a:t>
+              <a:t>() returns True if all of the character in s are numbers. </a:t>
             </a:r>
           </a:p>
           <a:p>
@@ -3978,7 +4011,7 @@
             </a:pPr>
             <a:r>
               <a:rPr lang="en-US" dirty="0"/>
-              <a:t>See the next slide for some sample runs that you can use to check your program</a:t>
+              <a:t>See the next slide for some sample runs that you can use to check your program.</a:t>
             </a:r>
           </a:p>
           <a:p>
@@ -4162,7 +4195,7 @@
             </a:pPr>
             <a:r>
               <a:rPr lang="en-US" sz="1800" dirty="0"/>
-              <a:t>Valid</a:t>
+              <a:t>Valid </a:t>
             </a:r>
           </a:p>
           <a:p>
@@ -4188,7 +4221,7 @@
             </a:pPr>
             <a:r>
               <a:rPr lang="en-US" sz="1800" dirty="0"/>
-              <a:t>Invalid</a:t>
+              <a:t>Invalid </a:t>
             </a:r>
           </a:p>
           <a:p>
@@ -4214,7 +4247,7 @@
             </a:pPr>
             <a:r>
               <a:rPr lang="en-US" sz="1800" dirty="0"/>
-              <a:t>Invalid</a:t>
+              <a:t>Invalid </a:t>
             </a:r>
           </a:p>
           <a:p>
